--- a/ANDI DWI SAPUTRO.pptx
+++ b/ANDI DWI SAPUTRO.pptx
@@ -6,13 +6,17 @@
   </p:sldMasterIdLst>
   <p:sldIdLst>
     <p:sldId id="256" r:id="rId2"/>
-    <p:sldId id="257" r:id="rId3"/>
-    <p:sldId id="258" r:id="rId4"/>
-    <p:sldId id="259" r:id="rId5"/>
-    <p:sldId id="260" r:id="rId6"/>
-    <p:sldId id="261" r:id="rId7"/>
-    <p:sldId id="262" r:id="rId8"/>
-    <p:sldId id="263" r:id="rId9"/>
+    <p:sldId id="264" r:id="rId3"/>
+    <p:sldId id="265" r:id="rId4"/>
+    <p:sldId id="266" r:id="rId5"/>
+    <p:sldId id="267" r:id="rId6"/>
+    <p:sldId id="257" r:id="rId7"/>
+    <p:sldId id="258" r:id="rId8"/>
+    <p:sldId id="259" r:id="rId9"/>
+    <p:sldId id="260" r:id="rId10"/>
+    <p:sldId id="261" r:id="rId11"/>
+    <p:sldId id="262" r:id="rId12"/>
+    <p:sldId id="263" r:id="rId13"/>
   </p:sldIdLst>
   <p:sldSz cx="12192000" cy="6858000"/>
   <p:notesSz cx="6858000" cy="9144000"/>
@@ -3061,7 +3065,1009 @@
 </p:sld>
 </file>
 
+<file path=ppt/slides/slide10.xml><?xml version="1.0" encoding="utf-8"?>
+<p:sld xmlns:a="http://schemas.openxmlformats.org/drawingml/2006/main" xmlns:r="http://schemas.openxmlformats.org/officeDocument/2006/relationships" xmlns:p="http://schemas.openxmlformats.org/presentationml/2006/main">
+  <p:cSld>
+    <p:spTree>
+      <p:nvGrpSpPr>
+        <p:cNvPr id="1" name=""/>
+        <p:cNvGrpSpPr/>
+        <p:nvPr/>
+      </p:nvGrpSpPr>
+      <p:grpSpPr>
+        <a:xfrm>
+          <a:off x="0" y="0"/>
+          <a:ext cx="0" cy="0"/>
+          <a:chOff x="0" y="0"/>
+          <a:chExt cx="0" cy="0"/>
+        </a:xfrm>
+      </p:grpSpPr>
+      <p:sp>
+        <p:nvSpPr>
+          <p:cNvPr id="2" name="Title 1"/>
+          <p:cNvSpPr>
+            <a:spLocks noGrp="1"/>
+          </p:cNvSpPr>
+          <p:nvPr>
+            <p:ph type="title"/>
+          </p:nvPr>
+        </p:nvSpPr>
+        <p:spPr/>
+        <p:txBody>
+          <a:bodyPr/>
+          <a:lstStyle/>
+          <a:p>
+            <a:r>
+              <a:rPr lang="en-US" dirty="0" smtClean="0"/>
+              <a:t>Main Class </a:t>
+            </a:r>
+            <a:br>
+              <a:rPr lang="en-US" dirty="0" smtClean="0"/>
+            </a:br>
+            <a:r>
+              <a:rPr lang="en-US" dirty="0" smtClean="0"/>
+              <a:t>(Part 2)</a:t>
+            </a:r>
+            <a:endParaRPr lang="en-US" dirty="0"/>
+          </a:p>
+        </p:txBody>
+      </p:sp>
+      <p:pic>
+        <p:nvPicPr>
+          <p:cNvPr id="4" name="Content Placeholder 3"/>
+          <p:cNvPicPr>
+            <a:picLocks noGrp="1" noChangeAspect="1"/>
+          </p:cNvPicPr>
+          <p:nvPr>
+            <p:ph idx="1"/>
+          </p:nvPr>
+        </p:nvPicPr>
+        <p:blipFill>
+          <a:blip r:embed="rId2">
+            <a:extLst>
+              <a:ext uri="{28A0092B-C50C-407E-A947-70E740481C1C}">
+                <a14:useLocalDpi xmlns:a14="http://schemas.microsoft.com/office/drawing/2010/main" val="0"/>
+              </a:ext>
+            </a:extLst>
+          </a:blip>
+          <a:stretch>
+            <a:fillRect/>
+          </a:stretch>
+        </p:blipFill>
+        <p:spPr>
+          <a:xfrm>
+            <a:off x="3574831" y="182034"/>
+            <a:ext cx="5524938" cy="6675966"/>
+          </a:xfrm>
+        </p:spPr>
+      </p:pic>
+    </p:spTree>
+    <p:extLst>
+      <p:ext uri="{BB962C8B-B14F-4D97-AF65-F5344CB8AC3E}">
+        <p14:creationId xmlns:p14="http://schemas.microsoft.com/office/powerpoint/2010/main" val="1193952282"/>
+      </p:ext>
+    </p:extLst>
+  </p:cSld>
+  <p:clrMapOvr>
+    <a:masterClrMapping/>
+  </p:clrMapOvr>
+</p:sld>
+</file>
+
+<file path=ppt/slides/slide11.xml><?xml version="1.0" encoding="utf-8"?>
+<p:sld xmlns:a="http://schemas.openxmlformats.org/drawingml/2006/main" xmlns:r="http://schemas.openxmlformats.org/officeDocument/2006/relationships" xmlns:p="http://schemas.openxmlformats.org/presentationml/2006/main">
+  <p:cSld>
+    <p:spTree>
+      <p:nvGrpSpPr>
+        <p:cNvPr id="1" name=""/>
+        <p:cNvGrpSpPr/>
+        <p:nvPr/>
+      </p:nvGrpSpPr>
+      <p:grpSpPr>
+        <a:xfrm>
+          <a:off x="0" y="0"/>
+          <a:ext cx="0" cy="0"/>
+          <a:chOff x="0" y="0"/>
+          <a:chExt cx="0" cy="0"/>
+        </a:xfrm>
+      </p:grpSpPr>
+      <p:sp>
+        <p:nvSpPr>
+          <p:cNvPr id="2" name="Title 1"/>
+          <p:cNvSpPr>
+            <a:spLocks noGrp="1"/>
+          </p:cNvSpPr>
+          <p:nvPr>
+            <p:ph type="title"/>
+          </p:nvPr>
+        </p:nvSpPr>
+        <p:spPr/>
+        <p:txBody>
+          <a:bodyPr/>
+          <a:lstStyle/>
+          <a:p>
+            <a:r>
+              <a:rPr lang="en-US" dirty="0" smtClean="0"/>
+              <a:t>Main Class (Part 3)</a:t>
+            </a:r>
+            <a:endParaRPr lang="en-US" dirty="0"/>
+          </a:p>
+        </p:txBody>
+      </p:sp>
+      <p:pic>
+        <p:nvPicPr>
+          <p:cNvPr id="4" name="Content Placeholder 3"/>
+          <p:cNvPicPr>
+            <a:picLocks noGrp="1" noChangeAspect="1"/>
+          </p:cNvPicPr>
+          <p:nvPr>
+            <p:ph idx="1"/>
+          </p:nvPr>
+        </p:nvPicPr>
+        <p:blipFill>
+          <a:blip r:embed="rId2">
+            <a:extLst>
+              <a:ext uri="{28A0092B-C50C-407E-A947-70E740481C1C}">
+                <a14:useLocalDpi xmlns:a14="http://schemas.microsoft.com/office/drawing/2010/main" val="0"/>
+              </a:ext>
+            </a:extLst>
+          </a:blip>
+          <a:stretch>
+            <a:fillRect/>
+          </a:stretch>
+        </p:blipFill>
+        <p:spPr>
+          <a:xfrm>
+            <a:off x="1047664" y="2020888"/>
+            <a:ext cx="8826672" cy="2335212"/>
+          </a:xfrm>
+        </p:spPr>
+      </p:pic>
+    </p:spTree>
+    <p:extLst>
+      <p:ext uri="{BB962C8B-B14F-4D97-AF65-F5344CB8AC3E}">
+        <p14:creationId xmlns:p14="http://schemas.microsoft.com/office/powerpoint/2010/main" val="3389927714"/>
+      </p:ext>
+    </p:extLst>
+  </p:cSld>
+  <p:clrMapOvr>
+    <a:masterClrMapping/>
+  </p:clrMapOvr>
+</p:sld>
+</file>
+
+<file path=ppt/slides/slide12.xml><?xml version="1.0" encoding="utf-8"?>
+<p:sld xmlns:a="http://schemas.openxmlformats.org/drawingml/2006/main" xmlns:r="http://schemas.openxmlformats.org/officeDocument/2006/relationships" xmlns:p="http://schemas.openxmlformats.org/presentationml/2006/main">
+  <p:cSld>
+    <p:spTree>
+      <p:nvGrpSpPr>
+        <p:cNvPr id="1" name=""/>
+        <p:cNvGrpSpPr/>
+        <p:nvPr/>
+      </p:nvGrpSpPr>
+      <p:grpSpPr>
+        <a:xfrm>
+          <a:off x="0" y="0"/>
+          <a:ext cx="0" cy="0"/>
+          <a:chOff x="0" y="0"/>
+          <a:chExt cx="0" cy="0"/>
+        </a:xfrm>
+      </p:grpSpPr>
+      <p:sp>
+        <p:nvSpPr>
+          <p:cNvPr id="2" name="Title 1"/>
+          <p:cNvSpPr>
+            <a:spLocks noGrp="1"/>
+          </p:cNvSpPr>
+          <p:nvPr>
+            <p:ph type="title"/>
+          </p:nvPr>
+        </p:nvSpPr>
+        <p:spPr/>
+        <p:txBody>
+          <a:bodyPr/>
+          <a:lstStyle/>
+          <a:p>
+            <a:r>
+              <a:rPr lang="en-US" dirty="0" smtClean="0"/>
+              <a:t>RESULT</a:t>
+            </a:r>
+            <a:endParaRPr lang="en-US" dirty="0"/>
+          </a:p>
+        </p:txBody>
+      </p:sp>
+      <p:pic>
+        <p:nvPicPr>
+          <p:cNvPr id="4" name="Content Placeholder 3"/>
+          <p:cNvPicPr>
+            <a:picLocks noGrp="1" noChangeAspect="1"/>
+          </p:cNvPicPr>
+          <p:nvPr>
+            <p:ph idx="1"/>
+          </p:nvPr>
+        </p:nvPicPr>
+        <p:blipFill>
+          <a:blip r:embed="rId2">
+            <a:extLst>
+              <a:ext uri="{28A0092B-C50C-407E-A947-70E740481C1C}">
+                <a14:useLocalDpi xmlns:a14="http://schemas.microsoft.com/office/drawing/2010/main" val="0"/>
+              </a:ext>
+            </a:extLst>
+          </a:blip>
+          <a:stretch>
+            <a:fillRect/>
+          </a:stretch>
+        </p:blipFill>
+        <p:spPr>
+          <a:xfrm>
+            <a:off x="2844800" y="217242"/>
+            <a:ext cx="3835400" cy="6399704"/>
+          </a:xfrm>
+        </p:spPr>
+      </p:pic>
+    </p:spTree>
+    <p:extLst>
+      <p:ext uri="{BB962C8B-B14F-4D97-AF65-F5344CB8AC3E}">
+        <p14:creationId xmlns:p14="http://schemas.microsoft.com/office/powerpoint/2010/main" val="104225730"/>
+      </p:ext>
+    </p:extLst>
+  </p:cSld>
+  <p:clrMapOvr>
+    <a:masterClrMapping/>
+  </p:clrMapOvr>
+</p:sld>
+</file>
+
 <file path=ppt/slides/slide2.xml><?xml version="1.0" encoding="utf-8"?>
+<p:sld xmlns:a="http://schemas.openxmlformats.org/drawingml/2006/main" xmlns:r="http://schemas.openxmlformats.org/officeDocument/2006/relationships" xmlns:p="http://schemas.openxmlformats.org/presentationml/2006/main">
+  <p:cSld>
+    <p:spTree>
+      <p:nvGrpSpPr>
+        <p:cNvPr id="1" name=""/>
+        <p:cNvGrpSpPr/>
+        <p:nvPr/>
+      </p:nvGrpSpPr>
+      <p:grpSpPr>
+        <a:xfrm>
+          <a:off x="0" y="0"/>
+          <a:ext cx="0" cy="0"/>
+          <a:chOff x="0" y="0"/>
+          <a:chExt cx="0" cy="0"/>
+        </a:xfrm>
+      </p:grpSpPr>
+      <p:sp>
+        <p:nvSpPr>
+          <p:cNvPr id="2" name="Title 1"/>
+          <p:cNvSpPr>
+            <a:spLocks noGrp="1"/>
+          </p:cNvSpPr>
+          <p:nvPr>
+            <p:ph type="title"/>
+          </p:nvPr>
+        </p:nvSpPr>
+        <p:spPr/>
+        <p:txBody>
+          <a:bodyPr/>
+          <a:lstStyle/>
+          <a:p>
+            <a:r>
+              <a:rPr lang="en-US" dirty="0" smtClean="0"/>
+              <a:t>OOP?</a:t>
+            </a:r>
+            <a:endParaRPr lang="en-US" dirty="0"/>
+          </a:p>
+        </p:txBody>
+      </p:sp>
+      <p:sp>
+        <p:nvSpPr>
+          <p:cNvPr id="3" name="Content Placeholder 2"/>
+          <p:cNvSpPr>
+            <a:spLocks noGrp="1"/>
+          </p:cNvSpPr>
+          <p:nvPr>
+            <p:ph idx="1"/>
+          </p:nvPr>
+        </p:nvSpPr>
+        <p:spPr/>
+        <p:txBody>
+          <a:bodyPr/>
+          <a:lstStyle/>
+          <a:p>
+            <a:pPr marL="0" indent="0">
+              <a:buNone/>
+            </a:pPr>
+            <a:r>
+              <a:rPr lang="en-US" dirty="0" smtClean="0"/>
+              <a:t>&gt; OOP </a:t>
+            </a:r>
+            <a:r>
+              <a:rPr lang="en-US" dirty="0" err="1" smtClean="0"/>
+              <a:t>merupakan</a:t>
+            </a:r>
+            <a:r>
+              <a:rPr lang="en-US" dirty="0" smtClean="0"/>
+              <a:t> </a:t>
+            </a:r>
+            <a:r>
+              <a:rPr lang="en-US" dirty="0" err="1" smtClean="0"/>
+              <a:t>konsep</a:t>
+            </a:r>
+            <a:r>
+              <a:rPr lang="en-US" dirty="0" smtClean="0"/>
+              <a:t> </a:t>
+            </a:r>
+            <a:r>
+              <a:rPr lang="en-US" dirty="0" err="1" smtClean="0"/>
+              <a:t>pemrograman</a:t>
+            </a:r>
+            <a:r>
+              <a:rPr lang="en-US" dirty="0" smtClean="0"/>
+              <a:t> </a:t>
+            </a:r>
+            <a:r>
+              <a:rPr lang="en-US" dirty="0" err="1" smtClean="0"/>
+              <a:t>berbasis</a:t>
+            </a:r>
+            <a:r>
+              <a:rPr lang="en-US" dirty="0" smtClean="0"/>
+              <a:t> </a:t>
+            </a:r>
+            <a:r>
+              <a:rPr lang="en-US" dirty="0" err="1" smtClean="0"/>
+              <a:t>objek</a:t>
+            </a:r>
+            <a:r>
+              <a:rPr lang="en-US" dirty="0" smtClean="0"/>
+              <a:t> </a:t>
+            </a:r>
+            <a:r>
+              <a:rPr lang="en-US" dirty="0" err="1" smtClean="0"/>
+              <a:t>dimana</a:t>
+            </a:r>
+            <a:r>
+              <a:rPr lang="en-US" dirty="0" smtClean="0"/>
+              <a:t> </a:t>
+            </a:r>
+            <a:r>
+              <a:rPr lang="en-US" dirty="0" err="1" smtClean="0"/>
+              <a:t>orientasi</a:t>
+            </a:r>
+            <a:r>
+              <a:rPr lang="en-US" dirty="0" smtClean="0"/>
+              <a:t> </a:t>
+            </a:r>
+            <a:r>
+              <a:rPr lang="en-US" dirty="0" err="1" smtClean="0"/>
+              <a:t>nya</a:t>
+            </a:r>
+            <a:r>
+              <a:rPr lang="en-US" dirty="0" smtClean="0"/>
+              <a:t> </a:t>
+            </a:r>
+            <a:r>
+              <a:rPr lang="en-US" dirty="0" err="1" smtClean="0"/>
+              <a:t>berdasarkan</a:t>
+            </a:r>
+            <a:r>
+              <a:rPr lang="en-US" dirty="0" smtClean="0"/>
+              <a:t> </a:t>
+            </a:r>
+            <a:r>
+              <a:rPr lang="en-US" dirty="0" err="1" smtClean="0"/>
+              <a:t>apa</a:t>
+            </a:r>
+            <a:r>
+              <a:rPr lang="en-US" dirty="0" smtClean="0"/>
+              <a:t> yang </a:t>
+            </a:r>
+            <a:r>
+              <a:rPr lang="en-US" dirty="0" err="1" smtClean="0"/>
+              <a:t>ada</a:t>
+            </a:r>
+            <a:r>
+              <a:rPr lang="en-US" dirty="0" smtClean="0"/>
+              <a:t> </a:t>
+            </a:r>
+            <a:r>
+              <a:rPr lang="en-US" dirty="0" err="1" smtClean="0"/>
+              <a:t>dikehidupan</a:t>
+            </a:r>
+            <a:r>
+              <a:rPr lang="en-US" dirty="0" smtClean="0"/>
+              <a:t> </a:t>
+            </a:r>
+            <a:r>
+              <a:rPr lang="en-US" dirty="0" err="1" smtClean="0"/>
+              <a:t>sehari-hari</a:t>
+            </a:r>
+            <a:endParaRPr lang="en-US" dirty="0"/>
+          </a:p>
+        </p:txBody>
+      </p:sp>
+    </p:spTree>
+    <p:extLst>
+      <p:ext uri="{BB962C8B-B14F-4D97-AF65-F5344CB8AC3E}">
+        <p14:creationId xmlns:p14="http://schemas.microsoft.com/office/powerpoint/2010/main" val="3749315203"/>
+      </p:ext>
+    </p:extLst>
+  </p:cSld>
+  <p:clrMapOvr>
+    <a:masterClrMapping/>
+  </p:clrMapOvr>
+</p:sld>
+</file>
+
+<file path=ppt/slides/slide3.xml><?xml version="1.0" encoding="utf-8"?>
+<p:sld xmlns:a="http://schemas.openxmlformats.org/drawingml/2006/main" xmlns:r="http://schemas.openxmlformats.org/officeDocument/2006/relationships" xmlns:p="http://schemas.openxmlformats.org/presentationml/2006/main">
+  <p:cSld>
+    <p:spTree>
+      <p:nvGrpSpPr>
+        <p:cNvPr id="1" name=""/>
+        <p:cNvGrpSpPr/>
+        <p:nvPr/>
+      </p:nvGrpSpPr>
+      <p:grpSpPr>
+        <a:xfrm>
+          <a:off x="0" y="0"/>
+          <a:ext cx="0" cy="0"/>
+          <a:chOff x="0" y="0"/>
+          <a:chExt cx="0" cy="0"/>
+        </a:xfrm>
+      </p:grpSpPr>
+      <p:sp>
+        <p:nvSpPr>
+          <p:cNvPr id="2" name="Title 1"/>
+          <p:cNvSpPr>
+            <a:spLocks noGrp="1"/>
+          </p:cNvSpPr>
+          <p:nvPr>
+            <p:ph type="title"/>
+          </p:nvPr>
+        </p:nvSpPr>
+        <p:spPr/>
+        <p:txBody>
+          <a:bodyPr/>
+          <a:lstStyle/>
+          <a:p>
+            <a:r>
+              <a:rPr lang="en-US" dirty="0" smtClean="0"/>
+              <a:t>Pure OOP</a:t>
+            </a:r>
+            <a:endParaRPr lang="en-US" dirty="0"/>
+          </a:p>
+        </p:txBody>
+      </p:sp>
+      <p:sp>
+        <p:nvSpPr>
+          <p:cNvPr id="3" name="Content Placeholder 2"/>
+          <p:cNvSpPr>
+            <a:spLocks noGrp="1"/>
+          </p:cNvSpPr>
+          <p:nvPr>
+            <p:ph idx="1"/>
+          </p:nvPr>
+        </p:nvSpPr>
+        <p:spPr/>
+        <p:txBody>
+          <a:bodyPr/>
+          <a:lstStyle/>
+          <a:p>
+            <a:r>
+              <a:rPr lang="en-US" dirty="0" err="1"/>
+              <a:t>adalah</a:t>
+            </a:r>
+            <a:r>
+              <a:rPr lang="en-US" dirty="0"/>
+              <a:t> </a:t>
+            </a:r>
+            <a:r>
+              <a:rPr lang="en-US" dirty="0" err="1"/>
+              <a:t>sebuah</a:t>
+            </a:r>
+            <a:r>
+              <a:rPr lang="en-US" dirty="0"/>
+              <a:t> </a:t>
+            </a:r>
+            <a:r>
+              <a:rPr lang="en-US" dirty="0" err="1"/>
+              <a:t>bahasa</a:t>
+            </a:r>
+            <a:r>
+              <a:rPr lang="en-US" dirty="0"/>
+              <a:t> yang </a:t>
+            </a:r>
+            <a:r>
+              <a:rPr lang="en-US" dirty="0" err="1"/>
+              <a:t>mengharuskan</a:t>
+            </a:r>
+            <a:r>
+              <a:rPr lang="en-US" dirty="0"/>
+              <a:t> program </a:t>
+            </a:r>
+            <a:r>
+              <a:rPr lang="en-US" dirty="0" err="1"/>
+              <a:t>ditulis</a:t>
+            </a:r>
+            <a:r>
+              <a:rPr lang="en-US" dirty="0"/>
+              <a:t> </a:t>
+            </a:r>
+            <a:r>
+              <a:rPr lang="en-US" dirty="0" err="1"/>
+              <a:t>hanya</a:t>
+            </a:r>
+            <a:r>
+              <a:rPr lang="en-US" dirty="0"/>
+              <a:t> </a:t>
+            </a:r>
+            <a:r>
+              <a:rPr lang="en-US" dirty="0" err="1"/>
+              <a:t>berupa</a:t>
+            </a:r>
+            <a:r>
+              <a:rPr lang="en-US" dirty="0"/>
+              <a:t> object </a:t>
+            </a:r>
+            <a:r>
+              <a:rPr lang="en-US" dirty="0" err="1"/>
+              <a:t>saja</a:t>
+            </a:r>
+            <a:r>
+              <a:rPr lang="en-US" dirty="0"/>
+              <a:t>. </a:t>
+            </a:r>
+            <a:r>
+              <a:rPr lang="en-US" dirty="0" err="1"/>
+              <a:t>Contoh</a:t>
+            </a:r>
+            <a:r>
+              <a:rPr lang="en-US" dirty="0"/>
+              <a:t> – Eifel, </a:t>
+            </a:r>
+            <a:r>
+              <a:rPr lang="en-US" dirty="0" err="1"/>
+              <a:t>Smaltalk</a:t>
+            </a:r>
+            <a:r>
+              <a:rPr lang="en-US" dirty="0"/>
+              <a:t>, Ruby, Jade </a:t>
+            </a:r>
+            <a:r>
+              <a:rPr lang="en-US" dirty="0" err="1"/>
+              <a:t>dan</a:t>
+            </a:r>
+            <a:r>
+              <a:rPr lang="en-US" dirty="0"/>
+              <a:t> lain-lain.</a:t>
+            </a:r>
+          </a:p>
+        </p:txBody>
+      </p:sp>
+    </p:spTree>
+    <p:extLst>
+      <p:ext uri="{BB962C8B-B14F-4D97-AF65-F5344CB8AC3E}">
+        <p14:creationId xmlns:p14="http://schemas.microsoft.com/office/powerpoint/2010/main" val="1016248044"/>
+      </p:ext>
+    </p:extLst>
+  </p:cSld>
+  <p:clrMapOvr>
+    <a:masterClrMapping/>
+  </p:clrMapOvr>
+</p:sld>
+</file>
+
+<file path=ppt/slides/slide4.xml><?xml version="1.0" encoding="utf-8"?>
+<p:sld xmlns:a="http://schemas.openxmlformats.org/drawingml/2006/main" xmlns:r="http://schemas.openxmlformats.org/officeDocument/2006/relationships" xmlns:p="http://schemas.openxmlformats.org/presentationml/2006/main">
+  <p:cSld>
+    <p:spTree>
+      <p:nvGrpSpPr>
+        <p:cNvPr id="1" name=""/>
+        <p:cNvGrpSpPr/>
+        <p:nvPr/>
+      </p:nvGrpSpPr>
+      <p:grpSpPr>
+        <a:xfrm>
+          <a:off x="0" y="0"/>
+          <a:ext cx="0" cy="0"/>
+          <a:chOff x="0" y="0"/>
+          <a:chExt cx="0" cy="0"/>
+        </a:xfrm>
+      </p:grpSpPr>
+      <p:sp>
+        <p:nvSpPr>
+          <p:cNvPr id="2" name="Title 1"/>
+          <p:cNvSpPr>
+            <a:spLocks noGrp="1"/>
+          </p:cNvSpPr>
+          <p:nvPr>
+            <p:ph type="title"/>
+          </p:nvPr>
+        </p:nvSpPr>
+        <p:spPr/>
+        <p:txBody>
+          <a:bodyPr/>
+          <a:lstStyle/>
+          <a:p>
+            <a:r>
+              <a:rPr lang="en-US" dirty="0" smtClean="0"/>
+              <a:t>Hybrid OOP</a:t>
+            </a:r>
+            <a:endParaRPr lang="en-US" dirty="0"/>
+          </a:p>
+        </p:txBody>
+      </p:sp>
+      <p:sp>
+        <p:nvSpPr>
+          <p:cNvPr id="3" name="Content Placeholder 2"/>
+          <p:cNvSpPr>
+            <a:spLocks noGrp="1"/>
+          </p:cNvSpPr>
+          <p:nvPr>
+            <p:ph idx="1"/>
+          </p:nvPr>
+        </p:nvSpPr>
+        <p:spPr/>
+        <p:txBody>
+          <a:bodyPr/>
+          <a:lstStyle/>
+          <a:p>
+            <a:r>
+              <a:rPr lang="en-US" dirty="0" err="1"/>
+              <a:t>adalah</a:t>
+            </a:r>
+            <a:r>
+              <a:rPr lang="en-US" dirty="0"/>
+              <a:t> </a:t>
+            </a:r>
+            <a:r>
+              <a:rPr lang="en-US" dirty="0" err="1"/>
+              <a:t>bahasa</a:t>
+            </a:r>
+            <a:r>
+              <a:rPr lang="en-US" dirty="0"/>
+              <a:t> yang </a:t>
+            </a:r>
+            <a:r>
+              <a:rPr lang="en-US" dirty="0" err="1"/>
+              <a:t>dirancang</a:t>
+            </a:r>
+            <a:r>
+              <a:rPr lang="en-US" dirty="0"/>
+              <a:t> </a:t>
+            </a:r>
+            <a:r>
+              <a:rPr lang="en-US" dirty="0" err="1"/>
+              <a:t>untuk</a:t>
+            </a:r>
+            <a:r>
+              <a:rPr lang="en-US" dirty="0"/>
+              <a:t> </a:t>
+            </a:r>
+            <a:r>
+              <a:rPr lang="en-US" dirty="0" err="1"/>
+              <a:t>pemrograman</a:t>
+            </a:r>
+            <a:r>
+              <a:rPr lang="en-US" dirty="0"/>
+              <a:t> object </a:t>
+            </a:r>
+            <a:r>
+              <a:rPr lang="en-US" dirty="0" err="1"/>
+              <a:t>dengan</a:t>
+            </a:r>
+            <a:r>
+              <a:rPr lang="en-US" dirty="0"/>
+              <a:t> </a:t>
+            </a:r>
+            <a:r>
+              <a:rPr lang="en-US" dirty="0" err="1"/>
+              <a:t>beberapa</a:t>
+            </a:r>
+            <a:r>
+              <a:rPr lang="en-US" dirty="0"/>
+              <a:t> </a:t>
+            </a:r>
+            <a:r>
+              <a:rPr lang="en-US" dirty="0" err="1"/>
+              <a:t>elemen</a:t>
+            </a:r>
+            <a:r>
+              <a:rPr lang="en-US" dirty="0"/>
+              <a:t> procedural.</a:t>
+            </a:r>
+          </a:p>
+        </p:txBody>
+      </p:sp>
+    </p:spTree>
+    <p:extLst>
+      <p:ext uri="{BB962C8B-B14F-4D97-AF65-F5344CB8AC3E}">
+        <p14:creationId xmlns:p14="http://schemas.microsoft.com/office/powerpoint/2010/main" val="3083924307"/>
+      </p:ext>
+    </p:extLst>
+  </p:cSld>
+  <p:clrMapOvr>
+    <a:masterClrMapping/>
+  </p:clrMapOvr>
+</p:sld>
+</file>
+
+<file path=ppt/slides/slide5.xml><?xml version="1.0" encoding="utf-8"?>
+<p:sld xmlns:a="http://schemas.openxmlformats.org/drawingml/2006/main" xmlns:r="http://schemas.openxmlformats.org/officeDocument/2006/relationships" xmlns:p="http://schemas.openxmlformats.org/presentationml/2006/main">
+  <p:cSld>
+    <p:spTree>
+      <p:nvGrpSpPr>
+        <p:cNvPr id="1" name=""/>
+        <p:cNvGrpSpPr/>
+        <p:nvPr/>
+      </p:nvGrpSpPr>
+      <p:grpSpPr>
+        <a:xfrm>
+          <a:off x="0" y="0"/>
+          <a:ext cx="0" cy="0"/>
+          <a:chOff x="0" y="0"/>
+          <a:chExt cx="0" cy="0"/>
+        </a:xfrm>
+      </p:grpSpPr>
+      <p:sp>
+        <p:nvSpPr>
+          <p:cNvPr id="2" name="Title 1"/>
+          <p:cNvSpPr>
+            <a:spLocks noGrp="1"/>
+          </p:cNvSpPr>
+          <p:nvPr>
+            <p:ph type="title"/>
+          </p:nvPr>
+        </p:nvSpPr>
+        <p:spPr/>
+        <p:txBody>
+          <a:bodyPr/>
+          <a:lstStyle/>
+          <a:p>
+            <a:r>
+              <a:rPr lang="en-US" dirty="0" smtClean="0"/>
+              <a:t>Why does Java does not support multiple inheritance?</a:t>
+            </a:r>
+            <a:endParaRPr lang="en-US" dirty="0"/>
+          </a:p>
+        </p:txBody>
+      </p:sp>
+      <p:sp>
+        <p:nvSpPr>
+          <p:cNvPr id="3" name="Content Placeholder 2"/>
+          <p:cNvSpPr>
+            <a:spLocks noGrp="1"/>
+          </p:cNvSpPr>
+          <p:nvPr>
+            <p:ph idx="1"/>
+          </p:nvPr>
+        </p:nvSpPr>
+        <p:spPr/>
+        <p:txBody>
+          <a:bodyPr/>
+          <a:lstStyle/>
+          <a:p>
+            <a:r>
+              <a:rPr lang="en-US" dirty="0" smtClean="0"/>
+              <a:t>Multiple </a:t>
+            </a:r>
+            <a:r>
+              <a:rPr lang="en-US" dirty="0" err="1" smtClean="0"/>
+              <a:t>infheritance</a:t>
+            </a:r>
+            <a:r>
+              <a:rPr lang="en-US" dirty="0" smtClean="0"/>
+              <a:t> </a:t>
+            </a:r>
+            <a:r>
+              <a:rPr lang="en-US" dirty="0" err="1" smtClean="0"/>
+              <a:t>adalah</a:t>
+            </a:r>
+            <a:r>
+              <a:rPr lang="en-US" dirty="0" smtClean="0"/>
+              <a:t> </a:t>
+            </a:r>
+            <a:r>
+              <a:rPr lang="en-US" dirty="0" err="1" smtClean="0"/>
+              <a:t>sebua</a:t>
+            </a:r>
+            <a:r>
+              <a:rPr lang="en-US" dirty="0" smtClean="0"/>
+              <a:t> class yang </a:t>
+            </a:r>
+            <a:r>
+              <a:rPr lang="en-US" dirty="0" err="1" smtClean="0"/>
+              <a:t>bisa</a:t>
+            </a:r>
+            <a:r>
+              <a:rPr lang="en-US" dirty="0" smtClean="0"/>
+              <a:t> </a:t>
+            </a:r>
+            <a:r>
+              <a:rPr lang="en-US" dirty="0" err="1" smtClean="0"/>
+              <a:t>menginherit</a:t>
+            </a:r>
+            <a:r>
+              <a:rPr lang="en-US" dirty="0" smtClean="0"/>
+              <a:t>/</a:t>
+            </a:r>
+            <a:r>
+              <a:rPr lang="en-US" dirty="0" err="1" smtClean="0"/>
+              <a:t>mewariskan</a:t>
+            </a:r>
+            <a:r>
+              <a:rPr lang="en-US" dirty="0" smtClean="0"/>
+              <a:t> </a:t>
+            </a:r>
+            <a:r>
+              <a:rPr lang="en-US" dirty="0" err="1" smtClean="0"/>
+              <a:t>atribut</a:t>
+            </a:r>
+            <a:r>
+              <a:rPr lang="en-US" dirty="0" smtClean="0"/>
+              <a:t> </a:t>
+            </a:r>
+            <a:r>
+              <a:rPr lang="en-US" dirty="0" err="1" smtClean="0"/>
+              <a:t>atau</a:t>
+            </a:r>
+            <a:r>
+              <a:rPr lang="en-US" dirty="0" smtClean="0"/>
+              <a:t> </a:t>
+            </a:r>
+            <a:r>
+              <a:rPr lang="en-US" dirty="0" err="1" smtClean="0"/>
+              <a:t>sifat-sifat</a:t>
+            </a:r>
+            <a:r>
+              <a:rPr lang="en-US" dirty="0" smtClean="0"/>
+              <a:t> </a:t>
+            </a:r>
+            <a:r>
+              <a:rPr lang="en-US" dirty="0" err="1" smtClean="0"/>
+              <a:t>dari</a:t>
+            </a:r>
+            <a:r>
+              <a:rPr lang="en-US" dirty="0" smtClean="0"/>
+              <a:t> </a:t>
+            </a:r>
+            <a:r>
+              <a:rPr lang="en-US" dirty="0" err="1" smtClean="0"/>
+              <a:t>dua</a:t>
+            </a:r>
+            <a:r>
+              <a:rPr lang="en-US" dirty="0" smtClean="0"/>
+              <a:t> </a:t>
+            </a:r>
+            <a:r>
+              <a:rPr lang="en-US" dirty="0" err="1" smtClean="0"/>
+              <a:t>atau</a:t>
+            </a:r>
+            <a:r>
+              <a:rPr lang="en-US" dirty="0" smtClean="0"/>
+              <a:t> </a:t>
+            </a:r>
+            <a:r>
+              <a:rPr lang="en-US" dirty="0" err="1" smtClean="0"/>
+              <a:t>lebih</a:t>
+            </a:r>
+            <a:r>
+              <a:rPr lang="en-US" dirty="0" smtClean="0"/>
+              <a:t> class.</a:t>
+            </a:r>
+          </a:p>
+          <a:p>
+            <a:r>
+              <a:rPr lang="en-US" dirty="0" smtClean="0"/>
+              <a:t>Java, C#, </a:t>
+            </a:r>
+            <a:r>
+              <a:rPr lang="en-US" dirty="0" err="1" smtClean="0"/>
+              <a:t>etc</a:t>
+            </a:r>
+            <a:r>
+              <a:rPr lang="en-US" dirty="0" smtClean="0"/>
+              <a:t> </a:t>
+            </a:r>
+            <a:r>
+              <a:rPr lang="en-US" dirty="0" err="1" smtClean="0"/>
+              <a:t>tidak</a:t>
+            </a:r>
+            <a:r>
+              <a:rPr lang="en-US" dirty="0" smtClean="0"/>
+              <a:t> </a:t>
+            </a:r>
+            <a:r>
+              <a:rPr lang="en-US" dirty="0" err="1" smtClean="0"/>
+              <a:t>mensupport</a:t>
+            </a:r>
+            <a:r>
+              <a:rPr lang="en-US" dirty="0" smtClean="0"/>
+              <a:t> multiple inheritance </a:t>
+            </a:r>
+            <a:r>
+              <a:rPr lang="en-US" dirty="0" err="1" smtClean="0"/>
+              <a:t>karena</a:t>
+            </a:r>
+            <a:r>
+              <a:rPr lang="en-US" dirty="0" smtClean="0"/>
+              <a:t> </a:t>
+            </a:r>
+            <a:r>
+              <a:rPr lang="en-US" dirty="0" err="1" smtClean="0"/>
+              <a:t>dapat</a:t>
+            </a:r>
+            <a:r>
+              <a:rPr lang="en-US" dirty="0" smtClean="0"/>
+              <a:t> </a:t>
+            </a:r>
+            <a:r>
+              <a:rPr lang="en-US" dirty="0" err="1" smtClean="0"/>
+              <a:t>membuat</a:t>
+            </a:r>
+            <a:r>
+              <a:rPr lang="en-US" dirty="0" smtClean="0"/>
+              <a:t> </a:t>
+            </a:r>
+            <a:r>
+              <a:rPr lang="en-US" dirty="0" err="1" smtClean="0"/>
+              <a:t>ambiguitas</a:t>
+            </a:r>
+            <a:r>
+              <a:rPr lang="en-US" dirty="0" smtClean="0"/>
+              <a:t>. </a:t>
+            </a:r>
+          </a:p>
+          <a:p>
+            <a:r>
+              <a:rPr lang="en-US" dirty="0" err="1" smtClean="0"/>
+              <a:t>Alternatif</a:t>
+            </a:r>
+            <a:r>
+              <a:rPr lang="en-US" dirty="0" smtClean="0"/>
+              <a:t> </a:t>
+            </a:r>
+            <a:r>
+              <a:rPr lang="en-US" dirty="0" err="1" smtClean="0"/>
+              <a:t>dari</a:t>
+            </a:r>
+            <a:r>
+              <a:rPr lang="en-US" dirty="0" smtClean="0"/>
+              <a:t> multiple inheritance </a:t>
+            </a:r>
+            <a:r>
+              <a:rPr lang="en-US" dirty="0" err="1" smtClean="0"/>
+              <a:t>dengan</a:t>
+            </a:r>
+            <a:r>
+              <a:rPr lang="en-US" dirty="0" smtClean="0"/>
+              <a:t> </a:t>
+            </a:r>
+            <a:r>
+              <a:rPr lang="en-US" dirty="0" err="1" smtClean="0"/>
+              <a:t>menggunakan</a:t>
+            </a:r>
+            <a:r>
+              <a:rPr lang="en-US" dirty="0" smtClean="0"/>
+              <a:t> interface.</a:t>
+            </a:r>
+            <a:endParaRPr lang="en-US" dirty="0"/>
+          </a:p>
+        </p:txBody>
+      </p:sp>
+    </p:spTree>
+    <p:extLst>
+      <p:ext uri="{BB962C8B-B14F-4D97-AF65-F5344CB8AC3E}">
+        <p14:creationId xmlns:p14="http://schemas.microsoft.com/office/powerpoint/2010/main" val="246691059"/>
+      </p:ext>
+    </p:extLst>
+  </p:cSld>
+  <p:clrMapOvr>
+    <a:masterClrMapping/>
+  </p:clrMapOvr>
+</p:sld>
+</file>
+
+<file path=ppt/slides/slide6.xml><?xml version="1.0" encoding="utf-8"?>
 <p:sld xmlns:a="http://schemas.openxmlformats.org/drawingml/2006/main" xmlns:r="http://schemas.openxmlformats.org/officeDocument/2006/relationships" xmlns:p="http://schemas.openxmlformats.org/presentationml/2006/main">
   <p:cSld>
     <p:spTree>
@@ -3150,7 +4156,7 @@
 </p:sld>
 </file>
 
-<file path=ppt/slides/slide3.xml><?xml version="1.0" encoding="utf-8"?>
+<file path=ppt/slides/slide7.xml><?xml version="1.0" encoding="utf-8"?>
 <p:sld xmlns:a="http://schemas.openxmlformats.org/drawingml/2006/main" xmlns:r="http://schemas.openxmlformats.org/officeDocument/2006/relationships" xmlns:p="http://schemas.openxmlformats.org/presentationml/2006/main">
   <p:cSld>
     <p:spTree>
@@ -3236,7 +4242,7 @@
 </p:sld>
 </file>
 
-<file path=ppt/slides/slide4.xml><?xml version="1.0" encoding="utf-8"?>
+<file path=ppt/slides/slide8.xml><?xml version="1.0" encoding="utf-8"?>
 <p:sld xmlns:a="http://schemas.openxmlformats.org/drawingml/2006/main" xmlns:r="http://schemas.openxmlformats.org/officeDocument/2006/relationships" xmlns:p="http://schemas.openxmlformats.org/presentationml/2006/main">
   <p:cSld>
     <p:spTree>
@@ -3322,7 +4328,7 @@
 </p:sld>
 </file>
 
-<file path=ppt/slides/slide5.xml><?xml version="1.0" encoding="utf-8"?>
+<file path=ppt/slides/slide9.xml><?xml version="1.0" encoding="utf-8"?>
 <p:sld xmlns:a="http://schemas.openxmlformats.org/drawingml/2006/main" xmlns:r="http://schemas.openxmlformats.org/officeDocument/2006/relationships" xmlns:p="http://schemas.openxmlformats.org/presentationml/2006/main">
   <p:cSld>
     <p:spTree>
@@ -3395,259 +4401,6 @@
     <p:extLst>
       <p:ext uri="{BB962C8B-B14F-4D97-AF65-F5344CB8AC3E}">
         <p14:creationId xmlns:p14="http://schemas.microsoft.com/office/powerpoint/2010/main" val="4270968066"/>
-      </p:ext>
-    </p:extLst>
-  </p:cSld>
-  <p:clrMapOvr>
-    <a:masterClrMapping/>
-  </p:clrMapOvr>
-</p:sld>
-</file>
-
-<file path=ppt/slides/slide6.xml><?xml version="1.0" encoding="utf-8"?>
-<p:sld xmlns:a="http://schemas.openxmlformats.org/drawingml/2006/main" xmlns:r="http://schemas.openxmlformats.org/officeDocument/2006/relationships" xmlns:p="http://schemas.openxmlformats.org/presentationml/2006/main">
-  <p:cSld>
-    <p:spTree>
-      <p:nvGrpSpPr>
-        <p:cNvPr id="1" name=""/>
-        <p:cNvGrpSpPr/>
-        <p:nvPr/>
-      </p:nvGrpSpPr>
-      <p:grpSpPr>
-        <a:xfrm>
-          <a:off x="0" y="0"/>
-          <a:ext cx="0" cy="0"/>
-          <a:chOff x="0" y="0"/>
-          <a:chExt cx="0" cy="0"/>
-        </a:xfrm>
-      </p:grpSpPr>
-      <p:sp>
-        <p:nvSpPr>
-          <p:cNvPr id="2" name="Title 1"/>
-          <p:cNvSpPr>
-            <a:spLocks noGrp="1"/>
-          </p:cNvSpPr>
-          <p:nvPr>
-            <p:ph type="title"/>
-          </p:nvPr>
-        </p:nvSpPr>
-        <p:spPr/>
-        <p:txBody>
-          <a:bodyPr/>
-          <a:lstStyle/>
-          <a:p>
-            <a:r>
-              <a:rPr lang="en-US" dirty="0" smtClean="0"/>
-              <a:t>Main Class </a:t>
-            </a:r>
-            <a:br>
-              <a:rPr lang="en-US" dirty="0" smtClean="0"/>
-            </a:br>
-            <a:r>
-              <a:rPr lang="en-US" dirty="0" smtClean="0"/>
-              <a:t>(Part 2)</a:t>
-            </a:r>
-            <a:endParaRPr lang="en-US" dirty="0"/>
-          </a:p>
-        </p:txBody>
-      </p:sp>
-      <p:pic>
-        <p:nvPicPr>
-          <p:cNvPr id="4" name="Content Placeholder 3"/>
-          <p:cNvPicPr>
-            <a:picLocks noGrp="1" noChangeAspect="1"/>
-          </p:cNvPicPr>
-          <p:nvPr>
-            <p:ph idx="1"/>
-          </p:nvPr>
-        </p:nvPicPr>
-        <p:blipFill>
-          <a:blip r:embed="rId2">
-            <a:extLst>
-              <a:ext uri="{28A0092B-C50C-407E-A947-70E740481C1C}">
-                <a14:useLocalDpi xmlns:a14="http://schemas.microsoft.com/office/drawing/2010/main" val="0"/>
-              </a:ext>
-            </a:extLst>
-          </a:blip>
-          <a:stretch>
-            <a:fillRect/>
-          </a:stretch>
-        </p:blipFill>
-        <p:spPr>
-          <a:xfrm>
-            <a:off x="3574831" y="182034"/>
-            <a:ext cx="5524938" cy="6675966"/>
-          </a:xfrm>
-        </p:spPr>
-      </p:pic>
-    </p:spTree>
-    <p:extLst>
-      <p:ext uri="{BB962C8B-B14F-4D97-AF65-F5344CB8AC3E}">
-        <p14:creationId xmlns:p14="http://schemas.microsoft.com/office/powerpoint/2010/main" val="1193952282"/>
-      </p:ext>
-    </p:extLst>
-  </p:cSld>
-  <p:clrMapOvr>
-    <a:masterClrMapping/>
-  </p:clrMapOvr>
-</p:sld>
-</file>
-
-<file path=ppt/slides/slide7.xml><?xml version="1.0" encoding="utf-8"?>
-<p:sld xmlns:a="http://schemas.openxmlformats.org/drawingml/2006/main" xmlns:r="http://schemas.openxmlformats.org/officeDocument/2006/relationships" xmlns:p="http://schemas.openxmlformats.org/presentationml/2006/main">
-  <p:cSld>
-    <p:spTree>
-      <p:nvGrpSpPr>
-        <p:cNvPr id="1" name=""/>
-        <p:cNvGrpSpPr/>
-        <p:nvPr/>
-      </p:nvGrpSpPr>
-      <p:grpSpPr>
-        <a:xfrm>
-          <a:off x="0" y="0"/>
-          <a:ext cx="0" cy="0"/>
-          <a:chOff x="0" y="0"/>
-          <a:chExt cx="0" cy="0"/>
-        </a:xfrm>
-      </p:grpSpPr>
-      <p:sp>
-        <p:nvSpPr>
-          <p:cNvPr id="2" name="Title 1"/>
-          <p:cNvSpPr>
-            <a:spLocks noGrp="1"/>
-          </p:cNvSpPr>
-          <p:nvPr>
-            <p:ph type="title"/>
-          </p:nvPr>
-        </p:nvSpPr>
-        <p:spPr/>
-        <p:txBody>
-          <a:bodyPr/>
-          <a:lstStyle/>
-          <a:p>
-            <a:r>
-              <a:rPr lang="en-US" dirty="0" smtClean="0"/>
-              <a:t>Main Class (Part 3)</a:t>
-            </a:r>
-            <a:endParaRPr lang="en-US" dirty="0"/>
-          </a:p>
-        </p:txBody>
-      </p:sp>
-      <p:pic>
-        <p:nvPicPr>
-          <p:cNvPr id="4" name="Content Placeholder 3"/>
-          <p:cNvPicPr>
-            <a:picLocks noGrp="1" noChangeAspect="1"/>
-          </p:cNvPicPr>
-          <p:nvPr>
-            <p:ph idx="1"/>
-          </p:nvPr>
-        </p:nvPicPr>
-        <p:blipFill>
-          <a:blip r:embed="rId2">
-            <a:extLst>
-              <a:ext uri="{28A0092B-C50C-407E-A947-70E740481C1C}">
-                <a14:useLocalDpi xmlns:a14="http://schemas.microsoft.com/office/drawing/2010/main" val="0"/>
-              </a:ext>
-            </a:extLst>
-          </a:blip>
-          <a:stretch>
-            <a:fillRect/>
-          </a:stretch>
-        </p:blipFill>
-        <p:spPr>
-          <a:xfrm>
-            <a:off x="1047664" y="2020888"/>
-            <a:ext cx="8826672" cy="2335212"/>
-          </a:xfrm>
-        </p:spPr>
-      </p:pic>
-    </p:spTree>
-    <p:extLst>
-      <p:ext uri="{BB962C8B-B14F-4D97-AF65-F5344CB8AC3E}">
-        <p14:creationId xmlns:p14="http://schemas.microsoft.com/office/powerpoint/2010/main" val="3389927714"/>
-      </p:ext>
-    </p:extLst>
-  </p:cSld>
-  <p:clrMapOvr>
-    <a:masterClrMapping/>
-  </p:clrMapOvr>
-</p:sld>
-</file>
-
-<file path=ppt/slides/slide8.xml><?xml version="1.0" encoding="utf-8"?>
-<p:sld xmlns:a="http://schemas.openxmlformats.org/drawingml/2006/main" xmlns:r="http://schemas.openxmlformats.org/officeDocument/2006/relationships" xmlns:p="http://schemas.openxmlformats.org/presentationml/2006/main">
-  <p:cSld>
-    <p:spTree>
-      <p:nvGrpSpPr>
-        <p:cNvPr id="1" name=""/>
-        <p:cNvGrpSpPr/>
-        <p:nvPr/>
-      </p:nvGrpSpPr>
-      <p:grpSpPr>
-        <a:xfrm>
-          <a:off x="0" y="0"/>
-          <a:ext cx="0" cy="0"/>
-          <a:chOff x="0" y="0"/>
-          <a:chExt cx="0" cy="0"/>
-        </a:xfrm>
-      </p:grpSpPr>
-      <p:sp>
-        <p:nvSpPr>
-          <p:cNvPr id="2" name="Title 1"/>
-          <p:cNvSpPr>
-            <a:spLocks noGrp="1"/>
-          </p:cNvSpPr>
-          <p:nvPr>
-            <p:ph type="title"/>
-          </p:nvPr>
-        </p:nvSpPr>
-        <p:spPr/>
-        <p:txBody>
-          <a:bodyPr/>
-          <a:lstStyle/>
-          <a:p>
-            <a:r>
-              <a:rPr lang="en-US" dirty="0" smtClean="0"/>
-              <a:t>RESULT</a:t>
-            </a:r>
-            <a:endParaRPr lang="en-US" dirty="0"/>
-          </a:p>
-        </p:txBody>
-      </p:sp>
-      <p:pic>
-        <p:nvPicPr>
-          <p:cNvPr id="4" name="Content Placeholder 3"/>
-          <p:cNvPicPr>
-            <a:picLocks noGrp="1" noChangeAspect="1"/>
-          </p:cNvPicPr>
-          <p:nvPr>
-            <p:ph idx="1"/>
-          </p:nvPr>
-        </p:nvPicPr>
-        <p:blipFill>
-          <a:blip r:embed="rId2">
-            <a:extLst>
-              <a:ext uri="{28A0092B-C50C-407E-A947-70E740481C1C}">
-                <a14:useLocalDpi xmlns:a14="http://schemas.microsoft.com/office/drawing/2010/main" val="0"/>
-              </a:ext>
-            </a:extLst>
-          </a:blip>
-          <a:stretch>
-            <a:fillRect/>
-          </a:stretch>
-        </p:blipFill>
-        <p:spPr>
-          <a:xfrm>
-            <a:off x="2844800" y="217242"/>
-            <a:ext cx="3835400" cy="6399704"/>
-          </a:xfrm>
-        </p:spPr>
-      </p:pic>
-    </p:spTree>
-    <p:extLst>
-      <p:ext uri="{BB962C8B-B14F-4D97-AF65-F5344CB8AC3E}">
-        <p14:creationId xmlns:p14="http://schemas.microsoft.com/office/powerpoint/2010/main" val="104225730"/>
       </p:ext>
     </p:extLst>
   </p:cSld>
